--- a/RubyBasics.pptx
+++ b/RubyBasics.pptx
@@ -33,6 +33,8 @@
     <p:sldId id="281" r:id="rId27"/>
     <p:sldId id="280" r:id="rId28"/>
     <p:sldId id="282" r:id="rId29"/>
+    <p:sldId id="284" r:id="rId30"/>
+    <p:sldId id="285" r:id="rId31"/>
   </p:sldIdLst>
   <p:sldSz cx="9144000" cy="6858000" type="screen4x3"/>
   <p:notesSz cx="6858000" cy="9144000"/>
@@ -3181,7 +3183,11 @@
           <a:p>
             <a:r>
               <a:rPr lang="en-US" dirty="0" smtClean="0"/>
-              <a:t>Class inheritance</a:t>
+              <a:t>Class </a:t>
+            </a:r>
+            <a:r>
+              <a:rPr lang="en-US" dirty="0" smtClean="0"/>
+              <a:t>inheritance</a:t>
             </a:r>
             <a:endParaRPr lang="en-US" dirty="0"/>
           </a:p>
@@ -3403,7 +3409,19 @@
           <a:p>
             <a:r>
               <a:rPr lang="en-US" dirty="0" smtClean="0"/>
-              <a:t>Class inheritance</a:t>
+              <a:t>Class </a:t>
+            </a:r>
+            <a:r>
+              <a:rPr lang="en-US" dirty="0" smtClean="0"/>
+              <a:t>inheritance (</a:t>
+            </a:r>
+            <a:r>
+              <a:rPr lang="en-US" dirty="0" err="1" smtClean="0"/>
+              <a:t>contd</a:t>
+            </a:r>
+            <a:r>
+              <a:rPr lang="en-US" dirty="0" smtClean="0"/>
+              <a:t> …)</a:t>
             </a:r>
             <a:endParaRPr lang="en-US" dirty="0"/>
           </a:p>
@@ -3519,7 +3537,19 @@
           <a:p>
             <a:r>
               <a:rPr lang="en-US" dirty="0" smtClean="0"/>
-              <a:t>Class inheritance </a:t>
+              <a:t>Class </a:t>
+            </a:r>
+            <a:r>
+              <a:rPr lang="en-US" dirty="0" smtClean="0"/>
+              <a:t>inheritance (</a:t>
+            </a:r>
+            <a:r>
+              <a:rPr lang="en-US" dirty="0" err="1" smtClean="0"/>
+              <a:t>contd</a:t>
+            </a:r>
+            <a:r>
+              <a:rPr lang="en-US" dirty="0" smtClean="0"/>
+              <a:t> …) </a:t>
             </a:r>
             <a:endParaRPr lang="en-US" dirty="0"/>
           </a:p>
@@ -3780,7 +3810,19 @@
           <a:p>
             <a:r>
               <a:rPr lang="en-US" dirty="0" smtClean="0"/>
-              <a:t>Class inheritance</a:t>
+              <a:t>Class </a:t>
+            </a:r>
+            <a:r>
+              <a:rPr lang="en-US" dirty="0" smtClean="0"/>
+              <a:t>inheritance (</a:t>
+            </a:r>
+            <a:r>
+              <a:rPr lang="en-US" dirty="0" err="1" smtClean="0"/>
+              <a:t>contd</a:t>
+            </a:r>
+            <a:r>
+              <a:rPr lang="en-US" dirty="0" smtClean="0"/>
+              <a:t> …)</a:t>
             </a:r>
             <a:endParaRPr lang="en-US" dirty="0"/>
           </a:p>
@@ -3902,7 +3944,19 @@
           <a:p>
             <a:r>
               <a:rPr lang="en-US" dirty="0" smtClean="0"/>
-              <a:t>Class inheritance</a:t>
+              <a:t>Class </a:t>
+            </a:r>
+            <a:r>
+              <a:rPr lang="en-US" dirty="0" smtClean="0"/>
+              <a:t>inheritance (</a:t>
+            </a:r>
+            <a:r>
+              <a:rPr lang="en-US" dirty="0" err="1" smtClean="0"/>
+              <a:t>contd</a:t>
+            </a:r>
+            <a:r>
+              <a:rPr lang="en-US" dirty="0" smtClean="0"/>
+              <a:t> …)</a:t>
             </a:r>
             <a:endParaRPr lang="en-US" dirty="0"/>
           </a:p>
@@ -4235,7 +4289,19 @@
           <a:p>
             <a:r>
               <a:rPr lang="en-US" dirty="0" smtClean="0"/>
-              <a:t>Class inheritance</a:t>
+              <a:t>Class </a:t>
+            </a:r>
+            <a:r>
+              <a:rPr lang="en-US" dirty="0" smtClean="0"/>
+              <a:t>inheritance (</a:t>
+            </a:r>
+            <a:r>
+              <a:rPr lang="en-US" dirty="0" err="1" smtClean="0"/>
+              <a:t>contd</a:t>
+            </a:r>
+            <a:r>
+              <a:rPr lang="en-US" dirty="0" smtClean="0"/>
+              <a:t> …)</a:t>
             </a:r>
             <a:endParaRPr lang="en-US" dirty="0"/>
           </a:p>
@@ -4678,11 +4744,27 @@
           <a:p>
             <a:r>
               <a:rPr lang="en-US" dirty="0" smtClean="0"/>
-              <a:t>Module - </a:t>
+              <a:t>Module</a:t>
+            </a:r>
+            <a:r>
+              <a:rPr lang="en-US" dirty="0" smtClean="0"/>
+              <a:t> – </a:t>
             </a:r>
             <a:r>
               <a:rPr lang="en-US" dirty="0" err="1" smtClean="0"/>
               <a:t>mixin</a:t>
+            </a:r>
+            <a:r>
+              <a:rPr lang="en-US" dirty="0" smtClean="0"/>
+              <a:t> (</a:t>
+            </a:r>
+            <a:r>
+              <a:rPr lang="en-US" dirty="0" err="1" smtClean="0"/>
+              <a:t>contd</a:t>
+            </a:r>
+            <a:r>
+              <a:rPr lang="en-US" dirty="0" smtClean="0"/>
+              <a:t> …)</a:t>
             </a:r>
             <a:endParaRPr lang="en-US" dirty="0"/>
           </a:p>
@@ -4843,11 +4925,27 @@
           <a:p>
             <a:r>
               <a:rPr lang="en-US" dirty="0" smtClean="0"/>
-              <a:t>Module - </a:t>
+              <a:t>Module</a:t>
+            </a:r>
+            <a:r>
+              <a:rPr lang="en-US" dirty="0" smtClean="0"/>
+              <a:t> – </a:t>
             </a:r>
             <a:r>
               <a:rPr lang="en-US" dirty="0" err="1" smtClean="0"/>
               <a:t>mixin</a:t>
+            </a:r>
+            <a:r>
+              <a:rPr lang="en-US" dirty="0" smtClean="0"/>
+              <a:t> (</a:t>
+            </a:r>
+            <a:r>
+              <a:rPr lang="en-US" dirty="0" err="1" smtClean="0"/>
+              <a:t>contd</a:t>
+            </a:r>
+            <a:r>
+              <a:rPr lang="en-US" dirty="0" smtClean="0"/>
+              <a:t> …)</a:t>
             </a:r>
             <a:endParaRPr lang="en-US" dirty="0"/>
           </a:p>
@@ -5218,7 +5316,6 @@
               <a:rPr lang="en-US" dirty="0" smtClean="0"/>
               <a:t>Run Ruby from a file</a:t>
             </a:r>
-            <a:endParaRPr lang="en-US" dirty="0" smtClean="0"/>
           </a:p>
           <a:p>
             <a:pPr lvl="1">
@@ -5226,19 +5323,7 @@
             </a:pPr>
             <a:r>
               <a:rPr lang="en-US" dirty="0" smtClean="0"/>
-              <a:t>e</a:t>
-            </a:r>
-            <a:r>
-              <a:rPr lang="en-US" dirty="0" smtClean="0"/>
-              <a:t>x1</a:t>
-            </a:r>
-            <a:r>
-              <a:rPr lang="en-US" dirty="0" smtClean="0"/>
-              <a:t>.rb </a:t>
-            </a:r>
-            <a:r>
-              <a:rPr lang="en-US" dirty="0" smtClean="0"/>
-              <a:t>contains</a:t>
+              <a:t>ex1.rb contains</a:t>
             </a:r>
           </a:p>
           <a:p>
@@ -5258,7 +5343,6 @@
               <a:rPr lang="en-US" dirty="0" smtClean="0"/>
               <a:t>3.times { puts 'I love Ruby!’}</a:t>
             </a:r>
-            <a:endParaRPr lang="en-US" dirty="0" smtClean="0"/>
           </a:p>
           <a:p>
             <a:pPr lvl="2"/>
@@ -5315,7 +5399,19 @@
           <a:p>
             <a:r>
               <a:rPr lang="en-US" dirty="0" smtClean="0"/>
-              <a:t>Control Flow</a:t>
+              <a:t>Control </a:t>
+            </a:r>
+            <a:r>
+              <a:rPr lang="en-US" dirty="0" smtClean="0"/>
+              <a:t>Flow (</a:t>
+            </a:r>
+            <a:r>
+              <a:rPr lang="en-US" dirty="0" err="1" smtClean="0"/>
+              <a:t>contd</a:t>
+            </a:r>
+            <a:r>
+              <a:rPr lang="en-US" dirty="0" smtClean="0"/>
+              <a:t> ..)</a:t>
             </a:r>
             <a:endParaRPr lang="en-US" dirty="0"/>
           </a:p>
@@ -5519,7 +5615,19 @@
           <a:p>
             <a:r>
               <a:rPr lang="en-US" dirty="0" smtClean="0"/>
-              <a:t>Control Flow</a:t>
+              <a:t>Control </a:t>
+            </a:r>
+            <a:r>
+              <a:rPr lang="en-US" dirty="0" smtClean="0"/>
+              <a:t>Flow (</a:t>
+            </a:r>
+            <a:r>
+              <a:rPr lang="en-US" dirty="0" err="1" smtClean="0"/>
+              <a:t>contd</a:t>
+            </a:r>
+            <a:r>
+              <a:rPr lang="en-US" dirty="0" smtClean="0"/>
+              <a:t> ..)</a:t>
             </a:r>
             <a:endParaRPr lang="en-US" dirty="0"/>
           </a:p>
@@ -5632,26 +5740,17 @@
             </a:pPr>
             <a:r>
               <a:rPr lang="en-US" sz="2000" dirty="0" smtClean="0"/>
-              <a:t>   puts 'I have no idea how today is going..</a:t>
-            </a:r>
-            <a:r>
-              <a:rPr lang="en-US" sz="2000" dirty="0" smtClean="0"/>
-              <a:t>.’</a:t>
-            </a:r>
-          </a:p>
-          <a:p>
-            <a:pPr>
-              <a:buNone/>
-            </a:pPr>
-            <a:r>
-              <a:rPr lang="en-US" sz="2000" dirty="0" smtClean="0"/>
-              <a:t>e</a:t>
-            </a:r>
-            <a:r>
-              <a:rPr lang="en-US" sz="2000" dirty="0" smtClean="0"/>
-              <a:t>nd</a:t>
-            </a:r>
-            <a:endParaRPr lang="en-US" sz="2000" dirty="0" smtClean="0"/>
+              <a:t>   puts 'I have no idea how today is going...’</a:t>
+            </a:r>
+          </a:p>
+          <a:p>
+            <a:pPr>
+              <a:buNone/>
+            </a:pPr>
+            <a:r>
+              <a:rPr lang="en-US" sz="2000" dirty="0" smtClean="0"/>
+              <a:t>end</a:t>
+            </a:r>
           </a:p>
           <a:p>
             <a:pPr>
@@ -5723,7 +5822,19 @@
           <a:p>
             <a:r>
               <a:rPr lang="en-US" dirty="0" smtClean="0"/>
-              <a:t>Control Flow</a:t>
+              <a:t>Control </a:t>
+            </a:r>
+            <a:r>
+              <a:rPr lang="en-US" dirty="0" smtClean="0"/>
+              <a:t>Flow (</a:t>
+            </a:r>
+            <a:r>
+              <a:rPr lang="en-US" dirty="0" err="1" smtClean="0"/>
+              <a:t>contd</a:t>
+            </a:r>
+            <a:r>
+              <a:rPr lang="en-US" dirty="0" smtClean="0"/>
+              <a:t> ..)</a:t>
             </a:r>
             <a:endParaRPr lang="en-US" dirty="0"/>
           </a:p>
@@ -6120,6 +6231,13 @@
   <p:clrMapOvr>
     <a:masterClrMapping/>
   </p:clrMapOvr>
+  <p:timing>
+    <p:tnLst>
+      <p:par>
+        <p:cTn id="1" dur="indefinite" restart="never" nodeType="tmRoot"/>
+      </p:par>
+    </p:tnLst>
+  </p:timing>
 </p:sld>
 </file>
 
@@ -6287,6 +6405,13 @@
   <p:clrMapOvr>
     <a:masterClrMapping/>
   </p:clrMapOvr>
+  <p:timing>
+    <p:tnLst>
+      <p:par>
+        <p:cTn id="1" dur="indefinite" restart="never" nodeType="tmRoot"/>
+      </p:par>
+    </p:tnLst>
+  </p:timing>
 </p:sld>
 </file>
 
@@ -6482,6 +6607,13 @@
   <p:clrMapOvr>
     <a:masterClrMapping/>
   </p:clrMapOvr>
+  <p:timing>
+    <p:tnLst>
+      <p:par>
+        <p:cTn id="1" dur="indefinite" restart="never" nodeType="tmRoot"/>
+      </p:par>
+    </p:tnLst>
+  </p:timing>
 </p:sld>
 </file>
 
@@ -6519,7 +6651,11 @@
           <a:p>
             <a:r>
               <a:rPr lang="en-US" dirty="0" smtClean="0"/>
-              <a:t>Block -yield</a:t>
+              <a:t>Blocks </a:t>
+            </a:r>
+            <a:r>
+              <a:rPr lang="en-US" dirty="0" smtClean="0"/>
+              <a:t>-yield</a:t>
             </a:r>
             <a:endParaRPr lang="en-US" dirty="0"/>
           </a:p>
@@ -6670,6 +6806,13 @@
   <p:clrMapOvr>
     <a:masterClrMapping/>
   </p:clrMapOvr>
+  <p:timing>
+    <p:tnLst>
+      <p:par>
+        <p:cTn id="1" dur="indefinite" restart="never" nodeType="tmRoot"/>
+      </p:par>
+    </p:tnLst>
+  </p:timing>
 </p:sld>
 </file>
 
@@ -6707,7 +6850,11 @@
           <a:p>
             <a:r>
               <a:rPr lang="en-US" dirty="0" smtClean="0"/>
-              <a:t>Blocks - yield</a:t>
+              <a:t>Blocks</a:t>
+            </a:r>
+            <a:r>
+              <a:rPr lang="en-US" dirty="0" smtClean="0"/>
+              <a:t> – yield (contd..)</a:t>
             </a:r>
             <a:endParaRPr lang="en-US" dirty="0"/>
           </a:p>
@@ -6831,6 +6978,13 @@
   <p:clrMapOvr>
     <a:masterClrMapping/>
   </p:clrMapOvr>
+  <p:timing>
+    <p:tnLst>
+      <p:par>
+        <p:cTn id="1" dur="indefinite" restart="never" nodeType="tmRoot"/>
+      </p:par>
+    </p:tnLst>
+  </p:timing>
 </p:sld>
 </file>
 
@@ -6868,7 +7022,11 @@
           <a:p>
             <a:r>
               <a:rPr lang="en-US" dirty="0" smtClean="0"/>
-              <a:t>Black – passing parameter</a:t>
+              <a:t>Blocks </a:t>
+            </a:r>
+            <a:r>
+              <a:rPr lang="en-US" dirty="0" smtClean="0"/>
+              <a:t>– passing parameter</a:t>
             </a:r>
             <a:endParaRPr lang="en-US" dirty="0"/>
           </a:p>
@@ -7019,6 +7177,183 @@
               <a:t>You are in the block 100</a:t>
             </a:r>
             <a:endParaRPr lang="en-US" sz="2000" dirty="0"/>
+          </a:p>
+        </p:txBody>
+      </p:sp>
+    </p:spTree>
+  </p:cSld>
+  <p:clrMapOvr>
+    <a:masterClrMapping/>
+  </p:clrMapOvr>
+  <p:timing>
+    <p:tnLst>
+      <p:par>
+        <p:cTn id="1" dur="indefinite" restart="never" nodeType="tmRoot"/>
+      </p:par>
+    </p:tnLst>
+  </p:timing>
+</p:sld>
+</file>
+
+<file path=ppt/slides/slide29.xml><?xml version="1.0" encoding="utf-8"?>
+<p:sld xmlns:a="http://schemas.openxmlformats.org/drawingml/2006/main" xmlns:r="http://schemas.openxmlformats.org/officeDocument/2006/relationships" xmlns:mc="http://schemas.openxmlformats.org/markup-compatibility/2006" xmlns:mv="urn:schemas-microsoft-com:mac:vml" xmlns:p="http://schemas.openxmlformats.org/presentationml/2006/main" mc:Ignorable="mv" mc:PreserveAttributes="mv:*">
+  <p:cSld>
+    <p:spTree>
+      <p:nvGrpSpPr>
+        <p:cNvPr id="1" name=""/>
+        <p:cNvGrpSpPr/>
+        <p:nvPr/>
+      </p:nvGrpSpPr>
+      <p:grpSpPr>
+        <a:xfrm>
+          <a:off x="0" y="0"/>
+          <a:ext cx="0" cy="0"/>
+          <a:chOff x="0" y="0"/>
+          <a:chExt cx="0" cy="0"/>
+        </a:xfrm>
+      </p:grpSpPr>
+      <p:sp>
+        <p:nvSpPr>
+          <p:cNvPr id="2" name="Title 1"/>
+          <p:cNvSpPr>
+            <a:spLocks noGrp="1"/>
+          </p:cNvSpPr>
+          <p:nvPr>
+            <p:ph type="title"/>
+          </p:nvPr>
+        </p:nvSpPr>
+        <p:spPr/>
+        <p:txBody>
+          <a:bodyPr/>
+          <a:lstStyle/>
+          <a:p>
+            <a:r>
+              <a:rPr lang="en-US" dirty="0" smtClean="0"/>
+              <a:t>References</a:t>
+            </a:r>
+            <a:endParaRPr lang="en-US" dirty="0"/>
+          </a:p>
+        </p:txBody>
+      </p:sp>
+      <p:sp>
+        <p:nvSpPr>
+          <p:cNvPr id="3" name="Content Placeholder 2"/>
+          <p:cNvSpPr>
+            <a:spLocks noGrp="1"/>
+          </p:cNvSpPr>
+          <p:nvPr>
+            <p:ph idx="1"/>
+          </p:nvPr>
+        </p:nvSpPr>
+        <p:spPr/>
+        <p:txBody>
+          <a:bodyPr/>
+          <a:lstStyle/>
+          <a:p>
+            <a:r>
+              <a:rPr lang="en-US" dirty="0" smtClean="0"/>
+              <a:t>Websites</a:t>
+            </a:r>
+          </a:p>
+          <a:p>
+            <a:pPr lvl="1"/>
+            <a:r>
+              <a:rPr lang="en-US" sz="2400" dirty="0" smtClean="0"/>
+              <a:t>Ruby in </a:t>
+            </a:r>
+            <a:r>
+              <a:rPr lang="en-US" sz="2400" dirty="0" smtClean="0"/>
+              <a:t>Twenty Minutes (</a:t>
+            </a:r>
+            <a:r>
+              <a:rPr lang="en-US" sz="2400" dirty="0" smtClean="0">
+                <a:hlinkClick r:id="rId2"/>
+              </a:rPr>
+              <a:t>https://www.ruby-lang.org/en/documentation/quickstart</a:t>
+            </a:r>
+            <a:r>
+              <a:rPr lang="en-US" sz="2400" dirty="0" smtClean="0">
+                <a:hlinkClick r:id="rId2"/>
+              </a:rPr>
+              <a:t>/</a:t>
+            </a:r>
+            <a:r>
+              <a:rPr lang="en-US" sz="2400" dirty="0" smtClean="0"/>
+              <a:t>)</a:t>
+            </a:r>
+          </a:p>
+          <a:p>
+            <a:pPr lvl="1"/>
+            <a:r>
+              <a:rPr lang="en-US" sz="2400" dirty="0" smtClean="0"/>
+              <a:t>Ruby Programming (</a:t>
+            </a:r>
+            <a:r>
+              <a:rPr lang="en-US" sz="2400" dirty="0" smtClean="0">
+                <a:hlinkClick r:id="rId3"/>
+              </a:rPr>
+              <a:t>http://www.tutorialspoint.com/ruby</a:t>
+            </a:r>
+            <a:r>
+              <a:rPr lang="en-US" sz="2400" dirty="0" smtClean="0">
+                <a:hlinkClick r:id="rId3"/>
+              </a:rPr>
+              <a:t>/</a:t>
+            </a:r>
+            <a:r>
+              <a:rPr lang="en-US" sz="2400" dirty="0" smtClean="0"/>
+              <a:t>)</a:t>
+            </a:r>
+          </a:p>
+          <a:p>
+            <a:pPr lvl="1"/>
+            <a:r>
+              <a:rPr lang="en-US" sz="2400" dirty="0" smtClean="0"/>
+              <a:t>Ruby in </a:t>
+            </a:r>
+            <a:r>
+              <a:rPr lang="en-US" sz="2400" dirty="0" smtClean="0"/>
+              <a:t>100 Minutes (</a:t>
+            </a:r>
+            <a:r>
+              <a:rPr lang="en-US" sz="2400" dirty="0" smtClean="0">
+                <a:hlinkClick r:id="rId4"/>
+              </a:rPr>
+              <a:t>http://tutorials.jumpstartlab.com/projects/</a:t>
+            </a:r>
+            <a:r>
+              <a:rPr lang="en-US" sz="2400" dirty="0" smtClean="0">
+                <a:hlinkClick r:id="rId4"/>
+              </a:rPr>
+              <a:t>ruby_in_100_minutes.html</a:t>
+            </a:r>
+            <a:r>
+              <a:rPr lang="en-US" sz="2400" dirty="0" smtClean="0"/>
+              <a:t>)</a:t>
+            </a:r>
+          </a:p>
+          <a:p>
+            <a:pPr lvl="1"/>
+            <a:r>
+              <a:rPr lang="en-US" sz="2400" dirty="0" smtClean="0"/>
+              <a:t>The Ruby Book (</a:t>
+            </a:r>
+            <a:r>
+              <a:rPr lang="en-US" sz="2400" dirty="0" smtClean="0">
+                <a:hlinkClick r:id="rId5"/>
+              </a:rPr>
+              <a:t>http://</a:t>
+            </a:r>
+            <a:r>
+              <a:rPr lang="en-US" sz="2400" dirty="0" smtClean="0">
+                <a:hlinkClick r:id="rId5"/>
+              </a:rPr>
+              <a:t>www.therubybook.com</a:t>
+            </a:r>
+            <a:r>
+              <a:rPr lang="en-US" sz="2400" dirty="0" smtClean="0"/>
+              <a:t>)</a:t>
+            </a:r>
           </a:p>
         </p:txBody>
       </p:sp>
@@ -7092,17 +7427,8 @@
             </a:pPr>
             <a:r>
               <a:rPr lang="en-US" dirty="0" smtClean="0"/>
-              <a:t>$ ruby</a:t>
-            </a:r>
-            <a:r>
-              <a:rPr lang="en-US" dirty="0" smtClean="0"/>
-              <a:t> ex1</a:t>
-            </a:r>
-            <a:r>
-              <a:rPr lang="en-US" dirty="0" smtClean="0"/>
-              <a:t>.rb</a:t>
-            </a:r>
-            <a:endParaRPr lang="en-US" dirty="0" smtClean="0"/>
+              <a:t>$ ruby ex1.rb</a:t>
+            </a:r>
           </a:p>
           <a:p>
             <a:pPr>
@@ -7161,6 +7487,106 @@
       </p:par>
     </p:tnLst>
   </p:timing>
+</p:sld>
+</file>
+
+<file path=ppt/slides/slide30.xml><?xml version="1.0" encoding="utf-8"?>
+<p:sld xmlns:a="http://schemas.openxmlformats.org/drawingml/2006/main" xmlns:r="http://schemas.openxmlformats.org/officeDocument/2006/relationships" xmlns:mc="http://schemas.openxmlformats.org/markup-compatibility/2006" xmlns:mv="urn:schemas-microsoft-com:mac:vml" xmlns:p="http://schemas.openxmlformats.org/presentationml/2006/main" mc:Ignorable="mv" mc:PreserveAttributes="mv:*">
+  <p:cSld>
+    <p:spTree>
+      <p:nvGrpSpPr>
+        <p:cNvPr id="1" name=""/>
+        <p:cNvGrpSpPr/>
+        <p:nvPr/>
+      </p:nvGrpSpPr>
+      <p:grpSpPr>
+        <a:xfrm>
+          <a:off x="0" y="0"/>
+          <a:ext cx="0" cy="0"/>
+          <a:chOff x="0" y="0"/>
+          <a:chExt cx="0" cy="0"/>
+        </a:xfrm>
+      </p:grpSpPr>
+      <p:sp>
+        <p:nvSpPr>
+          <p:cNvPr id="2" name="Title 1"/>
+          <p:cNvSpPr>
+            <a:spLocks noGrp="1"/>
+          </p:cNvSpPr>
+          <p:nvPr>
+            <p:ph type="title"/>
+          </p:nvPr>
+        </p:nvSpPr>
+        <p:spPr/>
+        <p:txBody>
+          <a:bodyPr/>
+          <a:lstStyle/>
+          <a:p>
+            <a:r>
+              <a:rPr lang="en-US" dirty="0" smtClean="0"/>
+              <a:t>References</a:t>
+            </a:r>
+            <a:endParaRPr lang="en-US" dirty="0"/>
+          </a:p>
+        </p:txBody>
+      </p:sp>
+      <p:sp>
+        <p:nvSpPr>
+          <p:cNvPr id="3" name="Content Placeholder 2"/>
+          <p:cNvSpPr>
+            <a:spLocks noGrp="1"/>
+          </p:cNvSpPr>
+          <p:nvPr>
+            <p:ph idx="1"/>
+          </p:nvPr>
+        </p:nvSpPr>
+        <p:spPr/>
+        <p:txBody>
+          <a:bodyPr/>
+          <a:lstStyle/>
+          <a:p>
+            <a:r>
+              <a:rPr lang="en-US" dirty="0" smtClean="0"/>
+              <a:t>Books</a:t>
+            </a:r>
+          </a:p>
+          <a:p>
+            <a:pPr lvl="1"/>
+            <a:r>
+              <a:rPr lang="en-US" sz="2400" dirty="0" smtClean="0"/>
+              <a:t>The Ruby Programming Language – David Flanagan &amp; Yukihiro Matsumoto</a:t>
+            </a:r>
+          </a:p>
+          <a:p>
+            <a:pPr lvl="1"/>
+            <a:r>
+              <a:rPr lang="en-US" sz="2400" dirty="0" smtClean="0"/>
+              <a:t>The Well-Grounded </a:t>
+            </a:r>
+            <a:r>
+              <a:rPr lang="en-US" sz="2400" dirty="0" err="1" smtClean="0"/>
+              <a:t>Rubyist</a:t>
+            </a:r>
+            <a:r>
+              <a:rPr lang="en-US" sz="2400" dirty="0" smtClean="0"/>
+              <a:t> – David A. Black</a:t>
+            </a:r>
+          </a:p>
+          <a:p>
+            <a:pPr lvl="1"/>
+            <a:r>
+              <a:rPr lang="en-US" sz="2400" dirty="0" smtClean="0"/>
+              <a:t>Eloquent Ruby – Russ Olsen</a:t>
+            </a:r>
+            <a:endParaRPr lang="en-US" sz="2400" dirty="0"/>
+          </a:p>
+        </p:txBody>
+      </p:sp>
+    </p:spTree>
+  </p:cSld>
+  <p:clrMapOvr>
+    <a:masterClrMapping/>
+  </p:clrMapOvr>
 </p:sld>
 </file>
 
@@ -7400,12 +7826,8 @@
           <a:lstStyle/>
           <a:p>
             <a:r>
-              <a:rPr lang="en-US" dirty="0"/>
-              <a:t>M</a:t>
-            </a:r>
-            <a:r>
               <a:rPr lang="en-US" dirty="0" smtClean="0"/>
-              <a:t>ethod</a:t>
+              <a:t>Methods</a:t>
             </a:r>
             <a:endParaRPr lang="en-US" dirty="0"/>
           </a:p>
@@ -8247,7 +8669,19 @@
           <a:p>
             <a:r>
               <a:rPr lang="en-US" dirty="0" smtClean="0"/>
-              <a:t>Class – class methods</a:t>
+              <a:t>Class – class </a:t>
+            </a:r>
+            <a:r>
+              <a:rPr lang="en-US" dirty="0" smtClean="0"/>
+              <a:t>method (</a:t>
+            </a:r>
+            <a:r>
+              <a:rPr lang="en-US" dirty="0" err="1" smtClean="0"/>
+              <a:t>contd</a:t>
+            </a:r>
+            <a:r>
+              <a:rPr lang="en-US" dirty="0" smtClean="0"/>
+              <a:t> …)</a:t>
             </a:r>
             <a:endParaRPr lang="en-US" dirty="0"/>
           </a:p>
